--- a/presentation.pptx
+++ b/presentation.pptx
@@ -3162,9 +3162,60 @@
             </a:r>
           </a:p>
           <a:p>
+            <a:pPr>
+              <a:defRPr sz="1800" b="0">
+                <a:solidFill>
+                  <a:srgbClr val="666666"/>
+                </a:solidFill>
+                <a:latin typeface="メイリオ"/>
+              </a:defRPr>
+            </a:pPr>
             <a:r>
               <a:t>2025年3月20日</a:t>
             </a:r>
+          </a:p>
+        </p:txBody>
+      </p:sp>
+      <p:sp>
+        <p:nvSpPr>
+          <p:cNvPr id="4" name="Rectangle 3"/>
+          <p:cNvSpPr/>
+          <p:nvPr/>
+        </p:nvSpPr>
+        <p:spPr>
+          <a:xfrm>
+            <a:off x="685800" y="3600450"/>
+            <a:ext cx="7772400" cy="91440"/>
+          </a:xfrm>
+          <a:prstGeom prst="rect">
+            <a:avLst/>
+          </a:prstGeom>
+          <a:solidFill>
+            <a:srgbClr val="003366"/>
+          </a:solidFill>
+          <a:ln>
+            <a:noFill/>
+          </a:ln>
+        </p:spPr>
+        <p:style>
+          <a:lnRef idx="1">
+            <a:schemeClr val="accent1"/>
+          </a:lnRef>
+          <a:fillRef idx="3">
+            <a:schemeClr val="accent1"/>
+          </a:fillRef>
+          <a:effectRef idx="2">
+            <a:schemeClr val="accent1"/>
+          </a:effectRef>
+          <a:fontRef idx="minor">
+            <a:schemeClr val="lt1"/>
+          </a:fontRef>
+        </p:style>
+        <p:txBody>
+          <a:bodyPr rtlCol="0" anchor="ctr"/>
+          <a:lstStyle/>
+          <a:p>
+            <a:pPr algn="ctr"/>
           </a:p>
         </p:txBody>
       </p:sp>
@@ -3210,7 +3261,7 @@
           <a:lstStyle/>
           <a:p>
             <a:pPr>
-              <a:defRPr sz="2800" b="1">
+              <a:defRPr sz="3500" b="1">
                 <a:solidFill>
                   <a:srgbClr val="003366"/>
                 </a:solidFill>
@@ -3238,19 +3289,86 @@
           <a:bodyPr/>
           <a:lstStyle/>
           <a:p>
+            <a:pPr>
+              <a:defRPr sz="3000" b="0">
+                <a:solidFill>
+                  <a:srgbClr val="000000"/>
+                </a:solidFill>
+                <a:latin typeface="メイリオ"/>
+              </a:defRPr>
+            </a:pPr>
             <a:r>
               <a:t>研究論文A, 2023年</a:t>
             </a:r>
           </a:p>
           <a:p>
+            <a:pPr>
+              <a:defRPr sz="3000" b="0">
+                <a:solidFill>
+                  <a:srgbClr val="000000"/>
+                </a:solidFill>
+                <a:latin typeface="メイリオ"/>
+              </a:defRPr>
+            </a:pPr>
             <a:r>
               <a:t>研究論文B, 2024年</a:t>
             </a:r>
           </a:p>
           <a:p>
+            <a:pPr>
+              <a:defRPr sz="3000" b="0">
+                <a:solidFill>
+                  <a:srgbClr val="000000"/>
+                </a:solidFill>
+                <a:latin typeface="メイリオ"/>
+              </a:defRPr>
+            </a:pPr>
             <a:r>
               <a:t>研究論文C, 2025年</a:t>
             </a:r>
+          </a:p>
+        </p:txBody>
+      </p:sp>
+      <p:sp>
+        <p:nvSpPr>
+          <p:cNvPr id="4" name="Rectangle 3"/>
+          <p:cNvSpPr/>
+          <p:nvPr/>
+        </p:nvSpPr>
+        <p:spPr>
+          <a:xfrm>
+            <a:off x="457200" y="1417638"/>
+            <a:ext cx="8229600" cy="91440"/>
+          </a:xfrm>
+          <a:prstGeom prst="rect">
+            <a:avLst/>
+          </a:prstGeom>
+          <a:solidFill>
+            <a:srgbClr val="003366"/>
+          </a:solidFill>
+          <a:ln>
+            <a:noFill/>
+          </a:ln>
+        </p:spPr>
+        <p:style>
+          <a:lnRef idx="1">
+            <a:schemeClr val="accent1"/>
+          </a:lnRef>
+          <a:fillRef idx="3">
+            <a:schemeClr val="accent1"/>
+          </a:fillRef>
+          <a:effectRef idx="2">
+            <a:schemeClr val="accent1"/>
+          </a:effectRef>
+          <a:fontRef idx="minor">
+            <a:schemeClr val="lt1"/>
+          </a:fontRef>
+        </p:style>
+        <p:txBody>
+          <a:bodyPr rtlCol="0" anchor="ctr"/>
+          <a:lstStyle/>
+          <a:p>
+            <a:pPr algn="ctr"/>
           </a:p>
         </p:txBody>
       </p:sp>
@@ -3296,7 +3414,7 @@
           <a:lstStyle/>
           <a:p>
             <a:pPr>
-              <a:defRPr sz="2800" b="1">
+              <a:defRPr sz="3500" b="1">
                 <a:solidFill>
                   <a:srgbClr val="003366"/>
                 </a:solidFill>
@@ -3324,19 +3442,86 @@
           <a:bodyPr/>
           <a:lstStyle/>
           <a:p>
+            <a:pPr>
+              <a:defRPr sz="3000" b="0">
+                <a:solidFill>
+                  <a:srgbClr val="000000"/>
+                </a:solidFill>
+                <a:latin typeface="メイリオ"/>
+              </a:defRPr>
+            </a:pPr>
             <a:r>
               <a:t>XX技術の現状と課題</a:t>
             </a:r>
           </a:p>
           <a:p>
+            <a:pPr>
+              <a:defRPr sz="3000" b="0">
+                <a:solidFill>
+                  <a:srgbClr val="000000"/>
+                </a:solidFill>
+                <a:latin typeface="メイリオ"/>
+              </a:defRPr>
+            </a:pPr>
             <a:r>
               <a:t>技術の進化に向けたニーズ</a:t>
             </a:r>
           </a:p>
           <a:p>
+            <a:pPr>
+              <a:defRPr sz="3000" b="0">
+                <a:solidFill>
+                  <a:srgbClr val="000000"/>
+                </a:solidFill>
+                <a:latin typeface="メイリオ"/>
+              </a:defRPr>
+            </a:pPr>
             <a:r>
               <a:t>本研究の目的は、XX技術の応用を拡大すること</a:t>
             </a:r>
+          </a:p>
+        </p:txBody>
+      </p:sp>
+      <p:sp>
+        <p:nvSpPr>
+          <p:cNvPr id="4" name="Rectangle 3"/>
+          <p:cNvSpPr/>
+          <p:nvPr/>
+        </p:nvSpPr>
+        <p:spPr>
+          <a:xfrm>
+            <a:off x="457200" y="1417638"/>
+            <a:ext cx="8229600" cy="91440"/>
+          </a:xfrm>
+          <a:prstGeom prst="rect">
+            <a:avLst/>
+          </a:prstGeom>
+          <a:solidFill>
+            <a:srgbClr val="003366"/>
+          </a:solidFill>
+          <a:ln>
+            <a:noFill/>
+          </a:ln>
+        </p:spPr>
+        <p:style>
+          <a:lnRef idx="1">
+            <a:schemeClr val="accent1"/>
+          </a:lnRef>
+          <a:fillRef idx="3">
+            <a:schemeClr val="accent1"/>
+          </a:fillRef>
+          <a:effectRef idx="2">
+            <a:schemeClr val="accent1"/>
+          </a:effectRef>
+          <a:fontRef idx="minor">
+            <a:schemeClr val="lt1"/>
+          </a:fontRef>
+        </p:style>
+        <p:txBody>
+          <a:bodyPr rtlCol="0" anchor="ctr"/>
+          <a:lstStyle/>
+          <a:p>
+            <a:pPr algn="ctr"/>
           </a:p>
         </p:txBody>
       </p:sp>
@@ -3382,7 +3567,7 @@
           <a:lstStyle/>
           <a:p>
             <a:pPr>
-              <a:defRPr sz="2800" b="1">
+              <a:defRPr sz="3500" b="1">
                 <a:solidFill>
                   <a:srgbClr val="003366"/>
                 </a:solidFill>
@@ -3436,6 +3621,49 @@
           </a:prstGeom>
         </p:spPr>
       </p:pic>
+      <p:sp>
+        <p:nvSpPr>
+          <p:cNvPr id="5" name="Rectangle 4"/>
+          <p:cNvSpPr/>
+          <p:nvPr/>
+        </p:nvSpPr>
+        <p:spPr>
+          <a:xfrm>
+            <a:off x="457200" y="1417638"/>
+            <a:ext cx="8229600" cy="91440"/>
+          </a:xfrm>
+          <a:prstGeom prst="rect">
+            <a:avLst/>
+          </a:prstGeom>
+          <a:solidFill>
+            <a:srgbClr val="003366"/>
+          </a:solidFill>
+          <a:ln>
+            <a:noFill/>
+          </a:ln>
+        </p:spPr>
+        <p:style>
+          <a:lnRef idx="1">
+            <a:schemeClr val="accent1"/>
+          </a:lnRef>
+          <a:fillRef idx="3">
+            <a:schemeClr val="accent1"/>
+          </a:fillRef>
+          <a:effectRef idx="2">
+            <a:schemeClr val="accent1"/>
+          </a:effectRef>
+          <a:fontRef idx="minor">
+            <a:schemeClr val="lt1"/>
+          </a:fontRef>
+        </p:style>
+        <p:txBody>
+          <a:bodyPr rtlCol="0" anchor="ctr"/>
+          <a:lstStyle/>
+          <a:p>
+            <a:pPr algn="ctr"/>
+          </a:p>
+        </p:txBody>
+      </p:sp>
     </p:spTree>
   </p:cSld>
   <p:clrMapOvr>
@@ -3478,7 +3706,7 @@
           <a:lstStyle/>
           <a:p>
             <a:pPr>
-              <a:defRPr sz="2800" b="1">
+              <a:defRPr sz="3500" b="1">
                 <a:solidFill>
                   <a:srgbClr val="003366"/>
                 </a:solidFill>
@@ -3506,19 +3734,86 @@
           <a:bodyPr/>
           <a:lstStyle/>
           <a:p>
-            <a:r>
-              <a:t>1. 実験装置の構成</a:t>
-            </a:r>
-          </a:p>
-          <a:p>
-            <a:r>
-              <a:t>2. 実施した実験の手順</a:t>
-            </a:r>
-          </a:p>
-          <a:p>
-            <a:r>
-              <a:t>3. データ収集方法</a:t>
-            </a:r>
+            <a:pPr>
+              <a:defRPr sz="3000" b="0">
+                <a:solidFill>
+                  <a:srgbClr val="000000"/>
+                </a:solidFill>
+                <a:latin typeface="メイリオ"/>
+              </a:defRPr>
+            </a:pPr>
+            <a:r>
+              <a:t>実験装置の構成</a:t>
+            </a:r>
+          </a:p>
+          <a:p>
+            <a:pPr>
+              <a:defRPr sz="3000" b="0">
+                <a:solidFill>
+                  <a:srgbClr val="000000"/>
+                </a:solidFill>
+                <a:latin typeface="メイリオ"/>
+              </a:defRPr>
+            </a:pPr>
+            <a:r>
+              <a:t>実施した実験の手順</a:t>
+            </a:r>
+          </a:p>
+          <a:p>
+            <a:pPr>
+              <a:defRPr sz="3000" b="0">
+                <a:solidFill>
+                  <a:srgbClr val="000000"/>
+                </a:solidFill>
+                <a:latin typeface="メイリオ"/>
+              </a:defRPr>
+            </a:pPr>
+            <a:r>
+              <a:t>データ収集方法</a:t>
+            </a:r>
+          </a:p>
+        </p:txBody>
+      </p:sp>
+      <p:sp>
+        <p:nvSpPr>
+          <p:cNvPr id="4" name="Rectangle 3"/>
+          <p:cNvSpPr/>
+          <p:nvPr/>
+        </p:nvSpPr>
+        <p:spPr>
+          <a:xfrm>
+            <a:off x="457200" y="1417638"/>
+            <a:ext cx="8229600" cy="91440"/>
+          </a:xfrm>
+          <a:prstGeom prst="rect">
+            <a:avLst/>
+          </a:prstGeom>
+          <a:solidFill>
+            <a:srgbClr val="003366"/>
+          </a:solidFill>
+          <a:ln>
+            <a:noFill/>
+          </a:ln>
+        </p:spPr>
+        <p:style>
+          <a:lnRef idx="1">
+            <a:schemeClr val="accent1"/>
+          </a:lnRef>
+          <a:fillRef idx="3">
+            <a:schemeClr val="accent1"/>
+          </a:fillRef>
+          <a:effectRef idx="2">
+            <a:schemeClr val="accent1"/>
+          </a:effectRef>
+          <a:fontRef idx="minor">
+            <a:schemeClr val="lt1"/>
+          </a:fontRef>
+        </p:style>
+        <p:txBody>
+          <a:bodyPr rtlCol="0" anchor="ctr"/>
+          <a:lstStyle/>
+          <a:p>
+            <a:pPr algn="ctr"/>
           </a:p>
         </p:txBody>
       </p:sp>
@@ -3564,7 +3859,7 @@
           <a:lstStyle/>
           <a:p>
             <a:pPr>
-              <a:defRPr sz="2800" b="1">
+              <a:defRPr sz="3500" b="1">
                 <a:solidFill>
                   <a:srgbClr val="003366"/>
                 </a:solidFill>
@@ -3592,14 +3887,73 @@
           <a:bodyPr/>
           <a:lstStyle/>
           <a:p>
+            <a:pPr>
+              <a:defRPr sz="3000" b="0">
+                <a:solidFill>
+                  <a:srgbClr val="000000"/>
+                </a:solidFill>
+                <a:latin typeface="メイリオ"/>
+              </a:defRPr>
+            </a:pPr>
             <a:r>
               <a:t>実験の結果、XX技術の性能向上が確認されました。</a:t>
             </a:r>
           </a:p>
           <a:p>
+            <a:pPr>
+              <a:defRPr sz="3000" b="0">
+                <a:solidFill>
+                  <a:srgbClr val="000000"/>
+                </a:solidFill>
+                <a:latin typeface="メイリオ"/>
+              </a:defRPr>
+            </a:pPr>
             <a:r>
               <a:t>特に、YYの面で顕著な改善が見られました。</a:t>
             </a:r>
+          </a:p>
+        </p:txBody>
+      </p:sp>
+      <p:sp>
+        <p:nvSpPr>
+          <p:cNvPr id="4" name="Rectangle 3"/>
+          <p:cNvSpPr/>
+          <p:nvPr/>
+        </p:nvSpPr>
+        <p:spPr>
+          <a:xfrm>
+            <a:off x="457200" y="1417638"/>
+            <a:ext cx="8229600" cy="91440"/>
+          </a:xfrm>
+          <a:prstGeom prst="rect">
+            <a:avLst/>
+          </a:prstGeom>
+          <a:solidFill>
+            <a:srgbClr val="003366"/>
+          </a:solidFill>
+          <a:ln>
+            <a:noFill/>
+          </a:ln>
+        </p:spPr>
+        <p:style>
+          <a:lnRef idx="1">
+            <a:schemeClr val="accent1"/>
+          </a:lnRef>
+          <a:fillRef idx="3">
+            <a:schemeClr val="accent1"/>
+          </a:fillRef>
+          <a:effectRef idx="2">
+            <a:schemeClr val="accent1"/>
+          </a:effectRef>
+          <a:fontRef idx="minor">
+            <a:schemeClr val="lt1"/>
+          </a:fontRef>
+        </p:style>
+        <p:txBody>
+          <a:bodyPr rtlCol="0" anchor="ctr"/>
+          <a:lstStyle/>
+          <a:p>
+            <a:pPr algn="ctr"/>
           </a:p>
         </p:txBody>
       </p:sp>
@@ -3645,7 +3999,7 @@
           <a:lstStyle/>
           <a:p>
             <a:pPr>
-              <a:defRPr sz="2800" b="1">
+              <a:defRPr sz="3500" b="1">
                 <a:solidFill>
                   <a:srgbClr val="003366"/>
                 </a:solidFill>
@@ -3699,6 +4053,49 @@
           </a:prstGeom>
         </p:spPr>
       </p:pic>
+      <p:sp>
+        <p:nvSpPr>
+          <p:cNvPr id="5" name="Rectangle 4"/>
+          <p:cNvSpPr/>
+          <p:nvPr/>
+        </p:nvSpPr>
+        <p:spPr>
+          <a:xfrm>
+            <a:off x="457200" y="1417638"/>
+            <a:ext cx="8229600" cy="91440"/>
+          </a:xfrm>
+          <a:prstGeom prst="rect">
+            <a:avLst/>
+          </a:prstGeom>
+          <a:solidFill>
+            <a:srgbClr val="003366"/>
+          </a:solidFill>
+          <a:ln>
+            <a:noFill/>
+          </a:ln>
+        </p:spPr>
+        <p:style>
+          <a:lnRef idx="1">
+            <a:schemeClr val="accent1"/>
+          </a:lnRef>
+          <a:fillRef idx="3">
+            <a:schemeClr val="accent1"/>
+          </a:fillRef>
+          <a:effectRef idx="2">
+            <a:schemeClr val="accent1"/>
+          </a:effectRef>
+          <a:fontRef idx="minor">
+            <a:schemeClr val="lt1"/>
+          </a:fontRef>
+        </p:style>
+        <p:txBody>
+          <a:bodyPr rtlCol="0" anchor="ctr"/>
+          <a:lstStyle/>
+          <a:p>
+            <a:pPr algn="ctr"/>
+          </a:p>
+        </p:txBody>
+      </p:sp>
     </p:spTree>
   </p:cSld>
   <p:clrMapOvr>
@@ -3741,7 +4138,7 @@
           <a:lstStyle/>
           <a:p>
             <a:pPr>
-              <a:defRPr sz="2800" b="1">
+              <a:defRPr sz="3500" b="1">
                 <a:solidFill>
                   <a:srgbClr val="003366"/>
                 </a:solidFill>
@@ -3769,19 +4166,86 @@
           <a:bodyPr/>
           <a:lstStyle/>
           <a:p>
+            <a:pPr>
+              <a:defRPr sz="3000" b="0">
+                <a:solidFill>
+                  <a:srgbClr val="000000"/>
+                </a:solidFill>
+                <a:latin typeface="メイリオ"/>
+              </a:defRPr>
+            </a:pPr>
             <a:r>
               <a:t>本研究の要点</a:t>
             </a:r>
           </a:p>
           <a:p>
+            <a:pPr>
+              <a:defRPr sz="3000" b="0">
+                <a:solidFill>
+                  <a:srgbClr val="000000"/>
+                </a:solidFill>
+                <a:latin typeface="メイリオ"/>
+              </a:defRPr>
+            </a:pPr>
             <a:r>
               <a:t>XX技術の重要性</a:t>
             </a:r>
           </a:p>
           <a:p>
+            <a:pPr>
+              <a:defRPr sz="3000" b="0">
+                <a:solidFill>
+                  <a:srgbClr val="000000"/>
+                </a:solidFill>
+                <a:latin typeface="メイリオ"/>
+              </a:defRPr>
+            </a:pPr>
             <a:r>
               <a:t>研究の意義と社会への貢献</a:t>
             </a:r>
+          </a:p>
+        </p:txBody>
+      </p:sp>
+      <p:sp>
+        <p:nvSpPr>
+          <p:cNvPr id="4" name="Rectangle 3"/>
+          <p:cNvSpPr/>
+          <p:nvPr/>
+        </p:nvSpPr>
+        <p:spPr>
+          <a:xfrm>
+            <a:off x="457200" y="1417638"/>
+            <a:ext cx="8229600" cy="91440"/>
+          </a:xfrm>
+          <a:prstGeom prst="rect">
+            <a:avLst/>
+          </a:prstGeom>
+          <a:solidFill>
+            <a:srgbClr val="003366"/>
+          </a:solidFill>
+          <a:ln>
+            <a:noFill/>
+          </a:ln>
+        </p:spPr>
+        <p:style>
+          <a:lnRef idx="1">
+            <a:schemeClr val="accent1"/>
+          </a:lnRef>
+          <a:fillRef idx="3">
+            <a:schemeClr val="accent1"/>
+          </a:fillRef>
+          <a:effectRef idx="2">
+            <a:schemeClr val="accent1"/>
+          </a:effectRef>
+          <a:fontRef idx="minor">
+            <a:schemeClr val="lt1"/>
+          </a:fontRef>
+        </p:style>
+        <p:txBody>
+          <a:bodyPr rtlCol="0" anchor="ctr"/>
+          <a:lstStyle/>
+          <a:p>
+            <a:pPr algn="ctr"/>
           </a:p>
         </p:txBody>
       </p:sp>
@@ -3827,7 +4291,7 @@
           <a:lstStyle/>
           <a:p>
             <a:pPr>
-              <a:defRPr sz="2800" b="1">
+              <a:defRPr sz="3500" b="1">
                 <a:solidFill>
                   <a:srgbClr val="003366"/>
                 </a:solidFill>
@@ -3855,24 +4319,99 @@
           <a:bodyPr/>
           <a:lstStyle/>
           <a:p>
+            <a:pPr>
+              <a:defRPr sz="3000" b="0">
+                <a:solidFill>
+                  <a:srgbClr val="000000"/>
+                </a:solidFill>
+                <a:latin typeface="メイリオ"/>
+              </a:defRPr>
+            </a:pPr>
             <a:r>
               <a:t>今後、XX技術の実用化に向けた課題として</a:t>
             </a:r>
           </a:p>
           <a:p>
+            <a:pPr>
+              <a:defRPr sz="3000" b="0">
+                <a:solidFill>
+                  <a:srgbClr val="000000"/>
+                </a:solidFill>
+                <a:latin typeface="メイリオ"/>
+              </a:defRPr>
+            </a:pPr>
             <a:r>
               <a:t>実験結果の精度向上</a:t>
             </a:r>
           </a:p>
           <a:p>
+            <a:pPr>
+              <a:defRPr sz="3000" b="0">
+                <a:solidFill>
+                  <a:srgbClr val="000000"/>
+                </a:solidFill>
+                <a:latin typeface="メイリオ"/>
+              </a:defRPr>
+            </a:pPr>
             <a:r>
               <a:t>実験条件の最適化</a:t>
             </a:r>
           </a:p>
           <a:p>
-            <a:r>
-              <a:t>が挙げられる。</a:t>
-            </a:r>
+            <a:pPr>
+              <a:defRPr sz="3000" b="0">
+                <a:solidFill>
+                  <a:srgbClr val="000000"/>
+                </a:solidFill>
+                <a:latin typeface="メイリオ"/>
+              </a:defRPr>
+            </a:pPr>
+            <a:r>
+              <a:t>技術の拡張が考えられます。</a:t>
+            </a:r>
+          </a:p>
+        </p:txBody>
+      </p:sp>
+      <p:sp>
+        <p:nvSpPr>
+          <p:cNvPr id="4" name="Rectangle 3"/>
+          <p:cNvSpPr/>
+          <p:nvPr/>
+        </p:nvSpPr>
+        <p:spPr>
+          <a:xfrm>
+            <a:off x="457200" y="1417638"/>
+            <a:ext cx="8229600" cy="91440"/>
+          </a:xfrm>
+          <a:prstGeom prst="rect">
+            <a:avLst/>
+          </a:prstGeom>
+          <a:solidFill>
+            <a:srgbClr val="003366"/>
+          </a:solidFill>
+          <a:ln>
+            <a:noFill/>
+          </a:ln>
+        </p:spPr>
+        <p:style>
+          <a:lnRef idx="1">
+            <a:schemeClr val="accent1"/>
+          </a:lnRef>
+          <a:fillRef idx="3">
+            <a:schemeClr val="accent1"/>
+          </a:fillRef>
+          <a:effectRef idx="2">
+            <a:schemeClr val="accent1"/>
+          </a:effectRef>
+          <a:fontRef idx="minor">
+            <a:schemeClr val="lt1"/>
+          </a:fontRef>
+        </p:style>
+        <p:txBody>
+          <a:bodyPr rtlCol="0" anchor="ctr"/>
+          <a:lstStyle/>
+          <a:p>
+            <a:pPr algn="ctr"/>
           </a:p>
         </p:txBody>
       </p:sp>
@@ -3918,7 +4457,7 @@
           <a:lstStyle/>
           <a:p>
             <a:pPr>
-              <a:defRPr sz="2800" b="1">
+              <a:defRPr sz="3500" b="1">
                 <a:solidFill>
                   <a:srgbClr val="003366"/>
                 </a:solidFill>
@@ -3946,14 +4485,73 @@
           <a:bodyPr/>
           <a:lstStyle/>
           <a:p>
+            <a:pPr>
+              <a:defRPr sz="3000" b="0">
+                <a:solidFill>
+                  <a:srgbClr val="000000"/>
+                </a:solidFill>
+                <a:latin typeface="メイリオ"/>
+              </a:defRPr>
+            </a:pPr>
             <a:r>
               <a:t>XX技術は今後の技術革新に大きく貢献する可能性を秘めており、</a:t>
             </a:r>
           </a:p>
           <a:p>
+            <a:pPr>
+              <a:defRPr sz="3000" b="0">
+                <a:solidFill>
+                  <a:srgbClr val="000000"/>
+                </a:solidFill>
+                <a:latin typeface="メイリオ"/>
+              </a:defRPr>
+            </a:pPr>
             <a:r>
               <a:t>本研究の成果がその発展に寄与することを期待している。</a:t>
             </a:r>
+          </a:p>
+        </p:txBody>
+      </p:sp>
+      <p:sp>
+        <p:nvSpPr>
+          <p:cNvPr id="4" name="Rectangle 3"/>
+          <p:cNvSpPr/>
+          <p:nvPr/>
+        </p:nvSpPr>
+        <p:spPr>
+          <a:xfrm>
+            <a:off x="457200" y="1417638"/>
+            <a:ext cx="8229600" cy="91440"/>
+          </a:xfrm>
+          <a:prstGeom prst="rect">
+            <a:avLst/>
+          </a:prstGeom>
+          <a:solidFill>
+            <a:srgbClr val="003366"/>
+          </a:solidFill>
+          <a:ln>
+            <a:noFill/>
+          </a:ln>
+        </p:spPr>
+        <p:style>
+          <a:lnRef idx="1">
+            <a:schemeClr val="accent1"/>
+          </a:lnRef>
+          <a:fillRef idx="3">
+            <a:schemeClr val="accent1"/>
+          </a:fillRef>
+          <a:effectRef idx="2">
+            <a:schemeClr val="accent1"/>
+          </a:effectRef>
+          <a:fontRef idx="minor">
+            <a:schemeClr val="lt1"/>
+          </a:fontRef>
+        </p:style>
+        <p:txBody>
+          <a:bodyPr rtlCol="0" anchor="ctr"/>
+          <a:lstStyle/>
+          <a:p>
+            <a:pPr algn="ctr"/>
           </a:p>
         </p:txBody>
       </p:sp>
